--- a/Java8.pptx
+++ b/Java8.pptx
@@ -260,7 +260,7 @@
           <a:p>
             <a:fld id="{9717A54E-BD4C-4FA5-80DD-89E94CBD0C34}" type="datetimeFigureOut">
               <a:rPr lang="pt-BR" smtClean="0"/>
-              <a:t>10/11/2016</a:t>
+              <a:t>11/11/2016</a:t>
             </a:fld>
             <a:endParaRPr lang="pt-BR"/>
           </a:p>
@@ -430,7 +430,7 @@
           <a:p>
             <a:fld id="{9717A54E-BD4C-4FA5-80DD-89E94CBD0C34}" type="datetimeFigureOut">
               <a:rPr lang="pt-BR" smtClean="0"/>
-              <a:t>10/11/2016</a:t>
+              <a:t>11/11/2016</a:t>
             </a:fld>
             <a:endParaRPr lang="pt-BR"/>
           </a:p>
@@ -610,7 +610,7 @@
           <a:p>
             <a:fld id="{9717A54E-BD4C-4FA5-80DD-89E94CBD0C34}" type="datetimeFigureOut">
               <a:rPr lang="pt-BR" smtClean="0"/>
-              <a:t>10/11/2016</a:t>
+              <a:t>11/11/2016</a:t>
             </a:fld>
             <a:endParaRPr lang="pt-BR"/>
           </a:p>
@@ -780,7 +780,7 @@
           <a:p>
             <a:fld id="{9717A54E-BD4C-4FA5-80DD-89E94CBD0C34}" type="datetimeFigureOut">
               <a:rPr lang="pt-BR" smtClean="0"/>
-              <a:t>10/11/2016</a:t>
+              <a:t>11/11/2016</a:t>
             </a:fld>
             <a:endParaRPr lang="pt-BR"/>
           </a:p>
@@ -1026,7 +1026,7 @@
           <a:p>
             <a:fld id="{9717A54E-BD4C-4FA5-80DD-89E94CBD0C34}" type="datetimeFigureOut">
               <a:rPr lang="pt-BR" smtClean="0"/>
-              <a:t>10/11/2016</a:t>
+              <a:t>11/11/2016</a:t>
             </a:fld>
             <a:endParaRPr lang="pt-BR"/>
           </a:p>
@@ -1258,7 +1258,7 @@
           <a:p>
             <a:fld id="{9717A54E-BD4C-4FA5-80DD-89E94CBD0C34}" type="datetimeFigureOut">
               <a:rPr lang="pt-BR" smtClean="0"/>
-              <a:t>10/11/2016</a:t>
+              <a:t>11/11/2016</a:t>
             </a:fld>
             <a:endParaRPr lang="pt-BR"/>
           </a:p>
@@ -1625,7 +1625,7 @@
           <a:p>
             <a:fld id="{9717A54E-BD4C-4FA5-80DD-89E94CBD0C34}" type="datetimeFigureOut">
               <a:rPr lang="pt-BR" smtClean="0"/>
-              <a:t>10/11/2016</a:t>
+              <a:t>11/11/2016</a:t>
             </a:fld>
             <a:endParaRPr lang="pt-BR"/>
           </a:p>
@@ -1743,7 +1743,7 @@
           <a:p>
             <a:fld id="{9717A54E-BD4C-4FA5-80DD-89E94CBD0C34}" type="datetimeFigureOut">
               <a:rPr lang="pt-BR" smtClean="0"/>
-              <a:t>10/11/2016</a:t>
+              <a:t>11/11/2016</a:t>
             </a:fld>
             <a:endParaRPr lang="pt-BR"/>
           </a:p>
@@ -1838,7 +1838,7 @@
           <a:p>
             <a:fld id="{9717A54E-BD4C-4FA5-80DD-89E94CBD0C34}" type="datetimeFigureOut">
               <a:rPr lang="pt-BR" smtClean="0"/>
-              <a:t>10/11/2016</a:t>
+              <a:t>11/11/2016</a:t>
             </a:fld>
             <a:endParaRPr lang="pt-BR"/>
           </a:p>
@@ -2115,7 +2115,7 @@
           <a:p>
             <a:fld id="{9717A54E-BD4C-4FA5-80DD-89E94CBD0C34}" type="datetimeFigureOut">
               <a:rPr lang="pt-BR" smtClean="0"/>
-              <a:t>10/11/2016</a:t>
+              <a:t>11/11/2016</a:t>
             </a:fld>
             <a:endParaRPr lang="pt-BR"/>
           </a:p>
@@ -2368,7 +2368,7 @@
           <a:p>
             <a:fld id="{9717A54E-BD4C-4FA5-80DD-89E94CBD0C34}" type="datetimeFigureOut">
               <a:rPr lang="pt-BR" smtClean="0"/>
-              <a:t>10/11/2016</a:t>
+              <a:t>11/11/2016</a:t>
             </a:fld>
             <a:endParaRPr lang="pt-BR"/>
           </a:p>
@@ -2581,7 +2581,7 @@
           <a:p>
             <a:fld id="{9717A54E-BD4C-4FA5-80DD-89E94CBD0C34}" type="datetimeFigureOut">
               <a:rPr lang="pt-BR" smtClean="0"/>
-              <a:t>10/11/2016</a:t>
+              <a:t>11/11/2016</a:t>
             </a:fld>
             <a:endParaRPr lang="pt-BR"/>
           </a:p>
@@ -3280,7 +3280,7 @@
         <p:spPr>
           <a:xfrm>
             <a:off x="5527589" y="3429000"/>
-            <a:ext cx="6583341" cy="646331"/>
+            <a:ext cx="6673109" cy="646331"/>
           </a:xfrm>
           <a:prstGeom prst="rect">
             <a:avLst/>
@@ -3295,7 +3295,15 @@
           <a:p>
             <a:r>
               <a:rPr lang="pt-BR" dirty="0"/>
-              <a:t>Apaixonado por tecnologia, sempre estou à procura de me atualizar </a:t>
+              <a:t>Apaixonado por </a:t>
+            </a:r>
+            <a:r>
+              <a:rPr lang="pt-BR" dirty="0" smtClean="0"/>
+              <a:t>tecnologia, </a:t>
+            </a:r>
+            <a:r>
+              <a:rPr lang="pt-BR" dirty="0"/>
+              <a:t>sempre estou à procura de me atualizar </a:t>
             </a:r>
             <a:endParaRPr lang="pt-BR" dirty="0" smtClean="0"/>
           </a:p>
@@ -3306,7 +3314,11 @@
             </a:r>
             <a:r>
               <a:rPr lang="pt-BR" dirty="0"/>
-              <a:t>as novidade das tecnologias mais recentes de mercado</a:t>
+              <a:t>as novidade das tecnologias mais recentes </a:t>
+            </a:r>
+            <a:r>
+              <a:rPr lang="pt-BR" dirty="0" smtClean="0"/>
+              <a:t>do mercado.</a:t>
             </a:r>
             <a:endParaRPr lang="pt-BR" dirty="0" smtClean="0">
               <a:solidFill>

--- a/Java8.pptx
+++ b/Java8.pptx
@@ -3223,7 +3223,7 @@
         </p:blipFill>
         <p:spPr>
           <a:xfrm>
-            <a:off x="0" y="-8238"/>
+            <a:off x="0" y="-24422"/>
             <a:ext cx="12192000" cy="6858000"/>
           </a:xfrm>
           <a:prstGeom prst="rect">
@@ -3314,7 +3314,15 @@
             </a:r>
             <a:r>
               <a:rPr lang="pt-BR" dirty="0"/>
-              <a:t>as novidade das tecnologias mais recentes </a:t>
+              <a:t>as </a:t>
+            </a:r>
+            <a:r>
+              <a:rPr lang="pt-BR" dirty="0" smtClean="0"/>
+              <a:t>novidades </a:t>
+            </a:r>
+            <a:r>
+              <a:rPr lang="pt-BR" dirty="0"/>
+              <a:t>das tecnologias mais recentes </a:t>
             </a:r>
             <a:r>
               <a:rPr lang="pt-BR" dirty="0" smtClean="0"/>
